--- a/ch03_MaterialModule/Ch03_MaterialModule.pptx
+++ b/ch03_MaterialModule/Ch03_MaterialModule.pptx
@@ -238,7 +238,7 @@
             <a:fld id="{6837EDA8-41C8-4B24-A206-13C08A65A6D7}" type="datetimeFigureOut">
               <a:rPr lang="zh-TW" altLang="en-US" smtClean="0"/>
               <a:pPr/>
-              <a:t>2019/5/19</a:t>
+              <a:t>2019/5/20</a:t>
             </a:fld>
             <a:endParaRPr lang="zh-TW" altLang="en-US"/>
           </a:p>
@@ -691,7 +691,7 @@
             <a:fld id="{8B85509C-BD4F-47BF-9B1E-FC2E949B3621}" type="datetime1">
               <a:rPr lang="zh-TW" altLang="en-US" smtClean="0"/>
               <a:pPr/>
-              <a:t>2019/5/19</a:t>
+              <a:t>2019/5/20</a:t>
             </a:fld>
             <a:endParaRPr lang="zh-TW" altLang="en-US"/>
           </a:p>
@@ -864,7 +864,7 @@
             <a:fld id="{42251B24-F787-4C15-8A0F-7AEC20C70069}" type="datetime1">
               <a:rPr lang="zh-TW" altLang="en-US" smtClean="0"/>
               <a:pPr/>
-              <a:t>2019/5/19</a:t>
+              <a:t>2019/5/20</a:t>
             </a:fld>
             <a:endParaRPr lang="zh-TW" altLang="en-US"/>
           </a:p>
@@ -1039,7 +1039,7 @@
             <a:fld id="{9CA0D33C-CE2B-45F1-B8D4-FFD1F131F331}" type="datetime1">
               <a:rPr lang="zh-TW" altLang="en-US" smtClean="0"/>
               <a:pPr/>
-              <a:t>2019/5/19</a:t>
+              <a:t>2019/5/20</a:t>
             </a:fld>
             <a:endParaRPr lang="zh-TW" altLang="en-US"/>
           </a:p>
@@ -1204,7 +1204,7 @@
             <a:fld id="{50B99440-D9EF-40CC-9B52-F6428D9B2C76}" type="datetime1">
               <a:rPr lang="zh-TW" altLang="en-US" smtClean="0"/>
               <a:pPr/>
-              <a:t>2019/5/19</a:t>
+              <a:t>2019/5/20</a:t>
             </a:fld>
             <a:endParaRPr lang="zh-TW" altLang="en-US"/>
           </a:p>
@@ -1446,7 +1446,7 @@
             <a:fld id="{0871BF52-5C6C-4959-8E27-CECB68D39FE4}" type="datetime1">
               <a:rPr lang="zh-TW" altLang="en-US" smtClean="0"/>
               <a:pPr/>
-              <a:t>2019/5/19</a:t>
+              <a:t>2019/5/20</a:t>
             </a:fld>
             <a:endParaRPr lang="zh-TW" altLang="en-US"/>
           </a:p>
@@ -1728,7 +1728,7 @@
             <a:fld id="{DF863F05-2DD9-4EB1-A827-12FD992DE9DC}" type="datetime1">
               <a:rPr lang="zh-TW" altLang="en-US" smtClean="0"/>
               <a:pPr/>
-              <a:t>2019/5/19</a:t>
+              <a:t>2019/5/20</a:t>
             </a:fld>
             <a:endParaRPr lang="zh-TW" altLang="en-US"/>
           </a:p>
@@ -2144,7 +2144,7 @@
             <a:fld id="{6339AF51-4491-4873-A096-75DB6CE47516}" type="datetime1">
               <a:rPr lang="zh-TW" altLang="en-US" smtClean="0"/>
               <a:pPr/>
-              <a:t>2019/5/19</a:t>
+              <a:t>2019/5/20</a:t>
             </a:fld>
             <a:endParaRPr lang="zh-TW" altLang="en-US"/>
           </a:p>
@@ -2258,7 +2258,7 @@
             <a:fld id="{EE4AD9C8-8B9E-40FF-ABE2-858AC2057BBB}" type="datetime1">
               <a:rPr lang="zh-TW" altLang="en-US" smtClean="0"/>
               <a:pPr/>
-              <a:t>2019/5/19</a:t>
+              <a:t>2019/5/20</a:t>
             </a:fld>
             <a:endParaRPr lang="zh-TW" altLang="en-US"/>
           </a:p>
@@ -2350,7 +2350,7 @@
             <a:fld id="{B4784999-BBBE-4BE4-A8D0-877E7D1D66CC}" type="datetime1">
               <a:rPr lang="zh-TW" altLang="en-US" smtClean="0"/>
               <a:pPr/>
-              <a:t>2019/5/19</a:t>
+              <a:t>2019/5/20</a:t>
             </a:fld>
             <a:endParaRPr lang="zh-TW" altLang="en-US"/>
           </a:p>
@@ -2622,7 +2622,7 @@
             <a:fld id="{E88D17E6-02BD-4944-B9FE-7BFCCBF83D48}" type="datetime1">
               <a:rPr lang="zh-TW" altLang="en-US" smtClean="0"/>
               <a:pPr/>
-              <a:t>2019/5/19</a:t>
+              <a:t>2019/5/20</a:t>
             </a:fld>
             <a:endParaRPr lang="zh-TW" altLang="en-US"/>
           </a:p>
@@ -2871,7 +2871,7 @@
             <a:fld id="{3C13E23D-1FEF-4D78-A3A3-3D6F2BB31954}" type="datetime1">
               <a:rPr lang="zh-TW" altLang="en-US" smtClean="0"/>
               <a:pPr/>
-              <a:t>2019/5/19</a:t>
+              <a:t>2019/5/20</a:t>
             </a:fld>
             <a:endParaRPr lang="zh-TW" altLang="en-US"/>
           </a:p>
@@ -3079,7 +3079,7 @@
             <a:fld id="{06197F35-AD6F-4594-8B50-334492D2E7E8}" type="datetime1">
               <a:rPr lang="zh-TW" altLang="en-US" smtClean="0"/>
               <a:pPr/>
-              <a:t>2019/5/19</a:t>
+              <a:t>2019/5/20</a:t>
             </a:fld>
             <a:endParaRPr lang="zh-TW" altLang="en-US"/>
           </a:p>
@@ -3540,7 +3540,7 @@
             <a:fld id="{C389EDC9-19E3-47AC-9C57-C6A24DEA81AD}" type="datetime1">
               <a:rPr lang="zh-TW" altLang="en-US" smtClean="0"/>
               <a:pPr/>
-              <a:t>2019/5/19</a:t>
+              <a:t>2019/5/20</a:t>
             </a:fld>
             <a:endParaRPr lang="zh-TW" altLang="en-US"/>
           </a:p>
@@ -3680,7 +3680,7 @@
                   <a:srgbClr val="FFFF00"/>
                 </a:solidFill>
               </a:rPr>
-              <a:t>2 Get Started</a:t>
+              <a:t>3 Material Module</a:t>
             </a:r>
             <a:endParaRPr lang="zh-TW" altLang="en-US" b="1" dirty="0">
               <a:solidFill>
@@ -3845,7 +3845,7 @@
             <a:fld id="{A4F910E6-8D00-4BAF-8C48-9688E0B449D3}" type="datetime1">
               <a:rPr lang="zh-TW" altLang="en-US" smtClean="0"/>
               <a:pPr/>
-              <a:t>2019/5/19</a:t>
+              <a:t>2019/5/20</a:t>
             </a:fld>
             <a:endParaRPr lang="zh-TW" altLang="en-US"/>
           </a:p>
@@ -4374,7 +4374,7 @@
                   <a:srgbClr val="FFFF00"/>
                 </a:solidFill>
               </a:rPr>
-              <a:t>2 Get Started</a:t>
+              <a:t>3 Material Module</a:t>
             </a:r>
             <a:endParaRPr lang="zh-TW" altLang="en-US" b="1" dirty="0">
               <a:solidFill>
@@ -4589,7 +4589,7 @@
             <a:fld id="{A4F910E6-8D00-4BAF-8C48-9688E0B449D3}" type="datetime1">
               <a:rPr lang="zh-TW" altLang="en-US" smtClean="0"/>
               <a:pPr/>
-              <a:t>2019/5/19</a:t>
+              <a:t>2019/5/20</a:t>
             </a:fld>
             <a:endParaRPr lang="zh-TW" altLang="en-US"/>
           </a:p>
@@ -4744,7 +4744,7 @@
                   <a:srgbClr val="FFFF00"/>
                 </a:solidFill>
               </a:rPr>
-              <a:t>2 Get Started</a:t>
+              <a:t>3 Material Module</a:t>
             </a:r>
             <a:endParaRPr lang="zh-TW" altLang="en-US" b="1" dirty="0">
               <a:solidFill>
@@ -4973,7 +4973,7 @@
             <a:fld id="{A4F910E6-8D00-4BAF-8C48-9688E0B449D3}" type="datetime1">
               <a:rPr lang="zh-TW" altLang="en-US" smtClean="0"/>
               <a:pPr/>
-              <a:t>2019/5/19</a:t>
+              <a:t>2019/5/20</a:t>
             </a:fld>
             <a:endParaRPr lang="zh-TW" altLang="en-US"/>
           </a:p>
@@ -5302,7 +5302,7 @@
                   <a:srgbClr val="FFFF00"/>
                 </a:solidFill>
               </a:rPr>
-              <a:t>2 Get Started</a:t>
+              <a:t>3 Material Module</a:t>
             </a:r>
             <a:endParaRPr lang="zh-TW" altLang="en-US" b="1" dirty="0">
               <a:solidFill>
@@ -5642,7 +5642,7 @@
             <a:fld id="{A4F910E6-8D00-4BAF-8C48-9688E0B449D3}" type="datetime1">
               <a:rPr lang="zh-TW" altLang="en-US" smtClean="0"/>
               <a:pPr/>
-              <a:t>2019/5/19</a:t>
+              <a:t>2019/5/20</a:t>
             </a:fld>
             <a:endParaRPr lang="zh-TW" altLang="en-US"/>
           </a:p>
@@ -5902,7 +5902,7 @@
                   <a:srgbClr val="FFFF00"/>
                 </a:solidFill>
               </a:rPr>
-              <a:t>2 Get Started</a:t>
+              <a:t>3 Material Module</a:t>
             </a:r>
             <a:endParaRPr lang="zh-TW" altLang="en-US" b="1" dirty="0">
               <a:solidFill>
@@ -6064,7 +6064,7 @@
             <a:fld id="{A4F910E6-8D00-4BAF-8C48-9688E0B449D3}" type="datetime1">
               <a:rPr lang="zh-TW" altLang="en-US" smtClean="0"/>
               <a:pPr/>
-              <a:t>2019/5/19</a:t>
+              <a:t>2019/5/20</a:t>
             </a:fld>
             <a:endParaRPr lang="zh-TW" altLang="en-US"/>
           </a:p>
@@ -6323,7 +6323,7 @@
                   <a:srgbClr val="FFFF00"/>
                 </a:solidFill>
               </a:rPr>
-              <a:t>2 Get Started</a:t>
+              <a:t>3 Material Module</a:t>
             </a:r>
             <a:endParaRPr lang="zh-TW" altLang="en-US" b="1" dirty="0">
               <a:solidFill>
@@ -6486,7 +6486,7 @@
             <a:fld id="{A4F910E6-8D00-4BAF-8C48-9688E0B449D3}" type="datetime1">
               <a:rPr lang="zh-TW" altLang="en-US" smtClean="0"/>
               <a:pPr/>
-              <a:t>2019/5/19</a:t>
+              <a:t>2019/5/20</a:t>
             </a:fld>
             <a:endParaRPr lang="zh-TW" altLang="en-US"/>
           </a:p>
@@ -6606,7 +6606,7 @@
                   <a:srgbClr val="FFFF00"/>
                 </a:solidFill>
               </a:rPr>
-              <a:t>2 Get Started</a:t>
+              <a:t>3 Material Module</a:t>
             </a:r>
             <a:endParaRPr lang="zh-TW" altLang="en-US" b="1" dirty="0">
               <a:solidFill>
@@ -6752,7 +6752,7 @@
             <a:fld id="{A4F910E6-8D00-4BAF-8C48-9688E0B449D3}" type="datetime1">
               <a:rPr lang="zh-TW" altLang="en-US" smtClean="0"/>
               <a:pPr/>
-              <a:t>2019/5/19</a:t>
+              <a:t>2019/5/20</a:t>
             </a:fld>
             <a:endParaRPr lang="zh-TW" altLang="en-US"/>
           </a:p>
@@ -6899,7 +6899,7 @@
             <a:fld id="{4E46BE27-E923-4EC2-B046-3272AE2A3E5C}" type="datetime1">
               <a:rPr lang="zh-TW" altLang="en-US" smtClean="0"/>
               <a:pPr/>
-              <a:t>2019/5/19</a:t>
+              <a:t>2019/5/20</a:t>
             </a:fld>
             <a:endParaRPr lang="zh-TW" altLang="en-US"/>
           </a:p>
